--- a/developer/2023-10/presentations/Lewis_The Case for Logging Into Mantid - template.pptx
+++ b/developer/2023-10/presentations/Lewis_The Case for Logging Into Mantid - template.pptx
@@ -148,13 +148,13 @@
 <pc:chgInfo xmlns:a="http://schemas.openxmlformats.org/drawingml/2006/main" xmlns:r="http://schemas.openxmlformats.org/officeDocument/2006/relationships" xmlns:ac="http://schemas.microsoft.com/office/drawing/2013/main/command" xmlns:pc="http://schemas.microsoft.com/office/powerpoint/2013/main/command">
   <pc:docChgLst>
     <pc:chgData name="Lewis, Mial (STFC,RAL,ISIS)" userId="790e1a61-6dc7-44ff-919b-e103deb196da" providerId="ADAL" clId="{8FED1A73-4725-496D-AD1B-4811BDA42C1E}"/>
-    <pc:docChg chg="undo custSel modSld">
-      <pc:chgData name="Lewis, Mial (STFC,RAL,ISIS)" userId="790e1a61-6dc7-44ff-919b-e103deb196da" providerId="ADAL" clId="{8FED1A73-4725-496D-AD1B-4811BDA42C1E}" dt="2023-10-17T04:07:51.528" v="314" actId="20577"/>
+    <pc:docChg chg="undo custSel modSld sldOrd">
+      <pc:chgData name="Lewis, Mial (STFC,RAL,ISIS)" userId="790e1a61-6dc7-44ff-919b-e103deb196da" providerId="ADAL" clId="{8FED1A73-4725-496D-AD1B-4811BDA42C1E}" dt="2023-10-17T14:40:50.838" v="453" actId="20577"/>
       <pc:docMkLst>
         <pc:docMk/>
       </pc:docMkLst>
-      <pc:sldChg chg="modSp mod">
-        <pc:chgData name="Lewis, Mial (STFC,RAL,ISIS)" userId="790e1a61-6dc7-44ff-919b-e103deb196da" providerId="ADAL" clId="{8FED1A73-4725-496D-AD1B-4811BDA42C1E}" dt="2023-10-17T04:03:43.643" v="277" actId="14100"/>
+      <pc:sldChg chg="modSp mod ord">
+        <pc:chgData name="Lewis, Mial (STFC,RAL,ISIS)" userId="790e1a61-6dc7-44ff-919b-e103deb196da" providerId="ADAL" clId="{8FED1A73-4725-496D-AD1B-4811BDA42C1E}" dt="2023-10-17T14:39:39.046" v="398"/>
         <pc:sldMkLst>
           <pc:docMk/>
           <pc:sldMk cId="3699373884" sldId="258"/>
@@ -168,7 +168,7 @@
           </ac:spMkLst>
         </pc:spChg>
         <pc:spChg chg="mod">
-          <ac:chgData name="Lewis, Mial (STFC,RAL,ISIS)" userId="790e1a61-6dc7-44ff-919b-e103deb196da" providerId="ADAL" clId="{8FED1A73-4725-496D-AD1B-4811BDA42C1E}" dt="2023-10-17T04:03:43.643" v="277" actId="14100"/>
+          <ac:chgData name="Lewis, Mial (STFC,RAL,ISIS)" userId="790e1a61-6dc7-44ff-919b-e103deb196da" providerId="ADAL" clId="{8FED1A73-4725-496D-AD1B-4811BDA42C1E}" dt="2023-10-17T14:39:12.891" v="373" actId="20577"/>
           <ac:spMkLst>
             <pc:docMk/>
             <pc:sldMk cId="3699373884" sldId="258"/>
@@ -177,7 +177,7 @@
         </pc:spChg>
       </pc:sldChg>
       <pc:sldChg chg="modSp mod">
-        <pc:chgData name="Lewis, Mial (STFC,RAL,ISIS)" userId="790e1a61-6dc7-44ff-919b-e103deb196da" providerId="ADAL" clId="{8FED1A73-4725-496D-AD1B-4811BDA42C1E}" dt="2023-10-17T03:49:18.798" v="36" actId="1036"/>
+        <pc:chgData name="Lewis, Mial (STFC,RAL,ISIS)" userId="790e1a61-6dc7-44ff-919b-e103deb196da" providerId="ADAL" clId="{8FED1A73-4725-496D-AD1B-4811BDA42C1E}" dt="2023-10-17T14:39:18.003" v="377" actId="20577"/>
         <pc:sldMkLst>
           <pc:docMk/>
           <pc:sldMk cId="67218123" sldId="259"/>
@@ -188,6 +188,14 @@
             <pc:docMk/>
             <pc:sldMk cId="67218123" sldId="259"/>
             <ac:spMk id="2" creationId="{D0278800-18B9-BF77-85D1-F827D2E8ABFF}"/>
+          </ac:spMkLst>
+        </pc:spChg>
+        <pc:spChg chg="mod">
+          <ac:chgData name="Lewis, Mial (STFC,RAL,ISIS)" userId="790e1a61-6dc7-44ff-919b-e103deb196da" providerId="ADAL" clId="{8FED1A73-4725-496D-AD1B-4811BDA42C1E}" dt="2023-10-17T14:39:18.003" v="377" actId="20577"/>
+          <ac:spMkLst>
+            <pc:docMk/>
+            <pc:sldMk cId="67218123" sldId="259"/>
+            <ac:spMk id="3" creationId="{B74B90BE-02C6-4767-E6CF-9C6CD27268D0}"/>
           </ac:spMkLst>
         </pc:spChg>
       </pc:sldChg>
@@ -255,7 +263,7 @@
         </pc:spChg>
       </pc:sldChg>
       <pc:sldChg chg="addSp delSp modSp mod">
-        <pc:chgData name="Lewis, Mial (STFC,RAL,ISIS)" userId="790e1a61-6dc7-44ff-919b-e103deb196da" providerId="ADAL" clId="{8FED1A73-4725-496D-AD1B-4811BDA42C1E}" dt="2023-10-17T04:06:30.386" v="289" actId="20577"/>
+        <pc:chgData name="Lewis, Mial (STFC,RAL,ISIS)" userId="790e1a61-6dc7-44ff-919b-e103deb196da" providerId="ADAL" clId="{8FED1A73-4725-496D-AD1B-4811BDA42C1E}" dt="2023-10-17T14:40:50.838" v="453" actId="20577"/>
         <pc:sldMkLst>
           <pc:docMk/>
           <pc:sldMk cId="1705541743" sldId="261"/>
@@ -269,7 +277,7 @@
           </ac:spMkLst>
         </pc:spChg>
         <pc:spChg chg="mod">
-          <ac:chgData name="Lewis, Mial (STFC,RAL,ISIS)" userId="790e1a61-6dc7-44ff-919b-e103deb196da" providerId="ADAL" clId="{8FED1A73-4725-496D-AD1B-4811BDA42C1E}" dt="2023-10-17T04:06:30.386" v="289" actId="20577"/>
+          <ac:chgData name="Lewis, Mial (STFC,RAL,ISIS)" userId="790e1a61-6dc7-44ff-919b-e103deb196da" providerId="ADAL" clId="{8FED1A73-4725-496D-AD1B-4811BDA42C1E}" dt="2023-10-17T14:40:50.838" v="453" actId="20577"/>
           <ac:spMkLst>
             <pc:docMk/>
             <pc:sldMk cId="1705541743" sldId="261"/>
@@ -15077,8 +15085,15 @@
           <a:p>
             <a:pPr lvl="1"/>
             <a:r>
-              <a:rPr lang="en-GB" dirty="0"/>
+              <a:rPr lang="en-GB" b="1" dirty="0"/>
               <a:t>No contact information to follow up for more information.</a:t>
+            </a:r>
+          </a:p>
+          <a:p>
+            <a:pPr lvl="1"/>
+            <a:r>
+              <a:rPr lang="en-GB" b="1" dirty="0"/>
+              <a:t>High priority items not identified.</a:t>
             </a:r>
           </a:p>
           <a:p>
@@ -15369,59 +15384,59 @@
           </a:lstStyle>
           <a:p>
             <a:r>
-              <a:rPr lang="en-GB"/>
+              <a:rPr lang="en-GB" dirty="0"/>
               <a:t>Problem 1: No user contact information.</a:t>
             </a:r>
           </a:p>
           <a:p>
             <a:pPr lvl="1"/>
             <a:r>
-              <a:rPr lang="en-GB"/>
+              <a:rPr lang="en-GB" dirty="0"/>
               <a:t>Users perceive mantid team as unreactive, not worth putting description or details into error report? Vicious cycle.</a:t>
             </a:r>
           </a:p>
           <a:p>
             <a:pPr lvl="1"/>
             <a:r>
-              <a:rPr lang="en-GB"/>
+              <a:rPr lang="en-GB" dirty="0"/>
               <a:t>Don’t want to provide personal details.</a:t>
             </a:r>
           </a:p>
           <a:p>
             <a:pPr lvl="1"/>
-            <a:endParaRPr lang="en-GB"/>
-          </a:p>
-          <a:p>
-            <a:r>
-              <a:rPr lang="en-GB"/>
+            <a:endParaRPr lang="en-GB" dirty="0"/>
+          </a:p>
+          <a:p>
+            <a:r>
+              <a:rPr lang="en-GB" dirty="0"/>
               <a:t>How can we incentivise users to provide their details?</a:t>
             </a:r>
           </a:p>
           <a:p>
             <a:pPr lvl="1"/>
             <a:r>
-              <a:rPr lang="en-GB"/>
+              <a:rPr lang="en-GB" dirty="0"/>
               <a:t>Demonstrate benefit:</a:t>
             </a:r>
           </a:p>
           <a:p>
             <a:pPr lvl="2"/>
             <a:r>
-              <a:rPr lang="en-GB"/>
+              <a:rPr lang="en-GB" dirty="0"/>
               <a:t>Provide feedback from error reports sent.</a:t>
             </a:r>
           </a:p>
           <a:p>
             <a:pPr lvl="2"/>
             <a:r>
-              <a:rPr lang="en-GB"/>
+              <a:rPr lang="en-GB" dirty="0"/>
               <a:t>Provide ability to carry over settings from one workstation to another.</a:t>
             </a:r>
           </a:p>
           <a:p>
             <a:pPr lvl="2"/>
             <a:r>
-              <a:rPr lang="en-GB"/>
+              <a:rPr lang="en-GB" dirty="0"/>
               <a:t>Any other benefits?</a:t>
             </a:r>
           </a:p>
@@ -15672,7 +15687,7 @@
           <a:p>
             <a:r>
               <a:rPr lang="en-GB" dirty="0"/>
-              <a:t>Error report processing improvements.</a:t>
+              <a:t>Problem 2: High priority items not identified.</a:t>
             </a:r>
           </a:p>
           <a:p>
@@ -17441,12 +17456,14 @@
 </file>
 
 <file path=customXml/item1.xml><?xml version="1.0" encoding="utf-8"?>
-<?mso-contentType ?>
-<FormTemplates xmlns="http://schemas.microsoft.com/sharepoint/v3/contenttype/forms">
-  <Display>DocumentLibraryForm</Display>
-  <Edit>DocumentLibraryForm</Edit>
-  <New>DocumentLibraryForm</New>
-</FormTemplates>
+<p:properties xmlns:p="http://schemas.microsoft.com/office/2006/metadata/properties" xmlns:xsi="http://www.w3.org/2001/XMLSchema-instance" xmlns:pc="http://schemas.microsoft.com/office/infopath/2007/PartnerControls">
+  <documentManagement>
+    <TaxCatchAll xmlns="4367b676-3231-4229-b246-27e36f6a6ea0" xsi:nil="true"/>
+    <lcf76f155ced4ddcb4097134ff3c332f xmlns="7a6c5452-7205-4e2c-a322-0d36e47a4095">
+      <Terms xmlns="http://schemas.microsoft.com/office/infopath/2007/PartnerControls"/>
+    </lcf76f155ced4ddcb4097134ff3c332f>
+  </documentManagement>
+</p:properties>
 </file>
 
 <file path=customXml/item2.xml><?xml version="1.0" encoding="utf-8"?>
@@ -17693,20 +17710,21 @@
 </file>
 
 <file path=customXml/item3.xml><?xml version="1.0" encoding="utf-8"?>
-<p:properties xmlns:p="http://schemas.microsoft.com/office/2006/metadata/properties" xmlns:xsi="http://www.w3.org/2001/XMLSchema-instance" xmlns:pc="http://schemas.microsoft.com/office/infopath/2007/PartnerControls">
-  <documentManagement>
-    <TaxCatchAll xmlns="4367b676-3231-4229-b246-27e36f6a6ea0" xsi:nil="true"/>
-    <lcf76f155ced4ddcb4097134ff3c332f xmlns="7a6c5452-7205-4e2c-a322-0d36e47a4095">
-      <Terms xmlns="http://schemas.microsoft.com/office/infopath/2007/PartnerControls"/>
-    </lcf76f155ced4ddcb4097134ff3c332f>
-  </documentManagement>
-</p:properties>
+<?mso-contentType ?>
+<FormTemplates xmlns="http://schemas.microsoft.com/sharepoint/v3/contenttype/forms">
+  <Display>DocumentLibraryForm</Display>
+  <Edit>DocumentLibraryForm</Edit>
+  <New>DocumentLibraryForm</New>
+</FormTemplates>
 </file>
 
 <file path=customXml/itemProps1.xml><?xml version="1.0" encoding="utf-8"?>
-<ds:datastoreItem xmlns:ds="http://schemas.openxmlformats.org/officeDocument/2006/customXml" ds:itemID="{D79237DF-6E98-4AFD-A1AD-E1C9D616A344}">
+<ds:datastoreItem xmlns:ds="http://schemas.openxmlformats.org/officeDocument/2006/customXml" ds:itemID="{F9DF670E-3DD2-40A0-8524-D0B4771A7312}">
   <ds:schemaRefs>
-    <ds:schemaRef ds:uri="http://schemas.microsoft.com/sharepoint/v3/contenttype/forms"/>
+    <ds:schemaRef ds:uri="http://schemas.microsoft.com/office/2006/metadata/properties"/>
+    <ds:schemaRef ds:uri="http://schemas.microsoft.com/office/infopath/2007/PartnerControls"/>
+    <ds:schemaRef ds:uri="4367b676-3231-4229-b246-27e36f6a6ea0"/>
+    <ds:schemaRef ds:uri="7a6c5452-7205-4e2c-a322-0d36e47a4095"/>
   </ds:schemaRefs>
 </ds:datastoreItem>
 </file>
@@ -17731,12 +17749,9 @@
 </file>
 
 <file path=customXml/itemProps3.xml><?xml version="1.0" encoding="utf-8"?>
-<ds:datastoreItem xmlns:ds="http://schemas.openxmlformats.org/officeDocument/2006/customXml" ds:itemID="{F9DF670E-3DD2-40A0-8524-D0B4771A7312}">
+<ds:datastoreItem xmlns:ds="http://schemas.openxmlformats.org/officeDocument/2006/customXml" ds:itemID="{D79237DF-6E98-4AFD-A1AD-E1C9D616A344}">
   <ds:schemaRefs>
-    <ds:schemaRef ds:uri="http://schemas.microsoft.com/office/2006/metadata/properties"/>
-    <ds:schemaRef ds:uri="http://schemas.microsoft.com/office/infopath/2007/PartnerControls"/>
-    <ds:schemaRef ds:uri="4367b676-3231-4229-b246-27e36f6a6ea0"/>
-    <ds:schemaRef ds:uri="7a6c5452-7205-4e2c-a322-0d36e47a4095"/>
+    <ds:schemaRef ds:uri="http://schemas.microsoft.com/sharepoint/v3/contenttype/forms"/>
   </ds:schemaRefs>
 </ds:datastoreItem>
 </file>